--- a/Java CC.pptx
+++ b/Java CC.pptx
@@ -5,7 +5,7 @@
     <p:sldMasterId id="2147483657" r:id="rId1"/>
   </p:sldMasterIdLst>
   <p:notesMasterIdLst>
-    <p:notesMasterId r:id="rId13"/>
+    <p:notesMasterId r:id="rId12"/>
   </p:notesMasterIdLst>
   <p:sldIdLst>
     <p:sldId id="262" r:id="rId2"/>
@@ -13,12 +13,11 @@
     <p:sldId id="261" r:id="rId4"/>
     <p:sldId id="297" r:id="rId5"/>
     <p:sldId id="299" r:id="rId6"/>
-    <p:sldId id="305" r:id="rId7"/>
-    <p:sldId id="302" r:id="rId8"/>
-    <p:sldId id="307" r:id="rId9"/>
-    <p:sldId id="298" r:id="rId10"/>
-    <p:sldId id="306" r:id="rId11"/>
-    <p:sldId id="278" r:id="rId12"/>
+    <p:sldId id="302" r:id="rId7"/>
+    <p:sldId id="307" r:id="rId8"/>
+    <p:sldId id="298" r:id="rId9"/>
+    <p:sldId id="306" r:id="rId10"/>
+    <p:sldId id="278" r:id="rId11"/>
   </p:sldIdLst>
   <p:sldSz cx="9144000" cy="5143500" type="screen16x9"/>
   <p:notesSz cx="6858000" cy="9144000"/>
@@ -1329,7 +1328,7 @@
     </p:spTree>
     <p:extLst>
       <p:ext uri="{BB962C8B-B14F-4D97-AF65-F5344CB8AC3E}">
-        <p14:creationId xmlns:p14="http://schemas.microsoft.com/office/powerpoint/2010/main" val="2056731257"/>
+        <p14:creationId xmlns:p14="http://schemas.microsoft.com/office/powerpoint/2010/main" val="1193008351"/>
       </p:ext>
     </p:extLst>
   </p:cSld>
@@ -1340,115 +1339,6 @@
 </file>
 
 <file path=ppt/notesSlides/notesSlide7.xml><?xml version="1.0" encoding="utf-8"?>
-<p:notes xmlns:a="http://schemas.openxmlformats.org/drawingml/2006/main" xmlns:r="http://schemas.openxmlformats.org/officeDocument/2006/relationships" xmlns:p="http://schemas.openxmlformats.org/presentationml/2006/main" showMasterSp="0" showMasterPhAnim="0">
-  <p:cSld>
-    <p:spTree>
-      <p:nvGrpSpPr>
-        <p:cNvPr id="1" name="Shape 133"/>
-        <p:cNvGrpSpPr/>
-        <p:nvPr/>
-      </p:nvGrpSpPr>
-      <p:grpSpPr>
-        <a:xfrm>
-          <a:off x="0" y="0"/>
-          <a:ext cx="0" cy="0"/>
-          <a:chOff x="0" y="0"/>
-          <a:chExt cx="0" cy="0"/>
-        </a:xfrm>
-      </p:grpSpPr>
-      <p:sp>
-        <p:nvSpPr>
-          <p:cNvPr id="134" name="Google Shape;134;p:notes"/>
-          <p:cNvSpPr>
-            <a:spLocks noGrp="1" noRot="1" noChangeAspect="1"/>
-          </p:cNvSpPr>
-          <p:nvPr>
-            <p:ph type="sldImg" idx="2"/>
-          </p:nvPr>
-        </p:nvSpPr>
-        <p:spPr>
-          <a:xfrm>
-            <a:off x="381000" y="685800"/>
-            <a:ext cx="6096000" cy="3429000"/>
-          </a:xfrm>
-          <a:custGeom>
-            <a:avLst/>
-            <a:gdLst/>
-            <a:ahLst/>
-            <a:cxnLst/>
-            <a:rect l="l" t="t" r="r" b="b"/>
-            <a:pathLst>
-              <a:path w="120000" h="120000" extrusionOk="0">
-                <a:moveTo>
-                  <a:pt x="0" y="0"/>
-                </a:moveTo>
-                <a:lnTo>
-                  <a:pt x="120000" y="0"/>
-                </a:lnTo>
-                <a:lnTo>
-                  <a:pt x="120000" y="120000"/>
-                </a:lnTo>
-                <a:lnTo>
-                  <a:pt x="0" y="120000"/>
-                </a:lnTo>
-                <a:close/>
-              </a:path>
-            </a:pathLst>
-          </a:custGeom>
-        </p:spPr>
-      </p:sp>
-      <p:sp>
-        <p:nvSpPr>
-          <p:cNvPr id="135" name="Google Shape;135;p:notes"/>
-          <p:cNvSpPr txBox="1">
-            <a:spLocks noGrp="1"/>
-          </p:cNvSpPr>
-          <p:nvPr>
-            <p:ph type="body" idx="1"/>
-          </p:nvPr>
-        </p:nvSpPr>
-        <p:spPr>
-          <a:xfrm>
-            <a:off x="685800" y="4343400"/>
-            <a:ext cx="5486400" cy="4114800"/>
-          </a:xfrm>
-          <a:prstGeom prst="rect">
-            <a:avLst/>
-          </a:prstGeom>
-        </p:spPr>
-        <p:txBody>
-          <a:bodyPr spcFirstLastPara="1" wrap="square" lIns="91425" tIns="91425" rIns="91425" bIns="91425" anchor="t" anchorCtr="0">
-            <a:noAutofit/>
-          </a:bodyPr>
-          <a:lstStyle/>
-          <a:p>
-            <a:pPr marL="0" lvl="0" indent="0" algn="l" rtl="0">
-              <a:spcBef>
-                <a:spcPts val="0"/>
-              </a:spcBef>
-              <a:spcAft>
-                <a:spcPts val="0"/>
-              </a:spcAft>
-              <a:buNone/>
-            </a:pPr>
-            <a:endParaRPr/>
-          </a:p>
-        </p:txBody>
-      </p:sp>
-    </p:spTree>
-    <p:extLst>
-      <p:ext uri="{BB962C8B-B14F-4D97-AF65-F5344CB8AC3E}">
-        <p14:creationId xmlns:p14="http://schemas.microsoft.com/office/powerpoint/2010/main" val="1193008351"/>
-      </p:ext>
-    </p:extLst>
-  </p:cSld>
-  <p:clrMapOvr>
-    <a:masterClrMapping/>
-  </p:clrMapOvr>
-</p:notes>
-</file>
-
-<file path=ppt/notesSlides/notesSlide8.xml><?xml version="1.0" encoding="utf-8"?>
 <p:notes xmlns:a="http://schemas.openxmlformats.org/drawingml/2006/main" xmlns:r="http://schemas.openxmlformats.org/officeDocument/2006/relationships" xmlns:p="http://schemas.openxmlformats.org/presentationml/2006/main" showMasterSp="0" showMasterPhAnim="0">
   <p:cSld>
     <p:spTree>
@@ -4501,186 +4391,6 @@
   <p:cSld>
     <p:spTree>
       <p:nvGrpSpPr>
-        <p:cNvPr id="1" name=""/>
-        <p:cNvGrpSpPr/>
-        <p:nvPr/>
-      </p:nvGrpSpPr>
-      <p:grpSpPr>
-        <a:xfrm>
-          <a:off x="0" y="0"/>
-          <a:ext cx="0" cy="0"/>
-          <a:chOff x="0" y="0"/>
-          <a:chExt cx="0" cy="0"/>
-        </a:xfrm>
-      </p:grpSpPr>
-      <p:sp>
-        <p:nvSpPr>
-          <p:cNvPr id="2" name="Título 1"/>
-          <p:cNvSpPr>
-            <a:spLocks noGrp="1"/>
-          </p:cNvSpPr>
-          <p:nvPr>
-            <p:ph type="title"/>
-          </p:nvPr>
-        </p:nvSpPr>
-        <p:spPr/>
-        <p:txBody>
-          <a:bodyPr/>
-          <a:lstStyle/>
-          <a:p>
-            <a:pPr algn="ctr"/>
-            <a:r>
-              <a:rPr lang="es-CO" dirty="0" smtClean="0">
-                <a:solidFill>
-                  <a:schemeClr val="tx2">
-                    <a:lumMod val="10000"/>
-                  </a:schemeClr>
-                </a:solidFill>
-                <a:latin typeface="Times New Roman" panose="02020603050405020304" pitchFamily="18" charset="0"/>
-                <a:cs typeface="Times New Roman" panose="02020603050405020304" pitchFamily="18" charset="0"/>
-              </a:rPr>
-              <a:t>BIBLIOGRAFIA</a:t>
-            </a:r>
-            <a:endParaRPr lang="es-CO" dirty="0">
-              <a:solidFill>
-                <a:schemeClr val="tx2">
-                  <a:lumMod val="10000"/>
-                </a:schemeClr>
-              </a:solidFill>
-              <a:latin typeface="Times New Roman" panose="02020603050405020304" pitchFamily="18" charset="0"/>
-              <a:cs typeface="Times New Roman" panose="02020603050405020304" pitchFamily="18" charset="0"/>
-            </a:endParaRPr>
-          </a:p>
-        </p:txBody>
-      </p:sp>
-      <p:sp>
-        <p:nvSpPr>
-          <p:cNvPr id="3" name="Marcador de texto 2"/>
-          <p:cNvSpPr>
-            <a:spLocks noGrp="1"/>
-          </p:cNvSpPr>
-          <p:nvPr>
-            <p:ph type="body" idx="1"/>
-          </p:nvPr>
-        </p:nvSpPr>
-        <p:spPr>
-          <a:xfrm>
-            <a:off x="886650" y="1337151"/>
-            <a:ext cx="7370700" cy="3327300"/>
-          </a:xfrm>
-        </p:spPr>
-        <p:txBody>
-          <a:bodyPr/>
-          <a:lstStyle/>
-          <a:p>
-            <a:r>
-              <a:rPr lang="es-CO" sz="2300" dirty="0">
-                <a:latin typeface="Times New Roman" panose="02020603050405020304" pitchFamily="18" charset="0"/>
-                <a:cs typeface="Times New Roman" panose="02020603050405020304" pitchFamily="18" charset="0"/>
-                <a:hlinkClick r:id="rId2"/>
-              </a:rPr>
-              <a:t>https://</a:t>
-            </a:r>
-            <a:r>
-              <a:rPr lang="es-CO" sz="2300" dirty="0" smtClean="0">
-                <a:latin typeface="Times New Roman" panose="02020603050405020304" pitchFamily="18" charset="0"/>
-                <a:cs typeface="Times New Roman" panose="02020603050405020304" pitchFamily="18" charset="0"/>
-                <a:hlinkClick r:id="rId2"/>
-              </a:rPr>
-              <a:t>ocw.uma.es/pluginfile.php/1025/mod_resource/content/0/Capitulo_5.pdf</a:t>
-            </a:r>
-            <a:endParaRPr lang="es-CO" sz="2300" dirty="0" smtClean="0">
-              <a:latin typeface="Times New Roman" panose="02020603050405020304" pitchFamily="18" charset="0"/>
-              <a:cs typeface="Times New Roman" panose="02020603050405020304" pitchFamily="18" charset="0"/>
-            </a:endParaRPr>
-          </a:p>
-          <a:p>
-            <a:r>
-              <a:rPr lang="es-CO" sz="2300" dirty="0">
-                <a:latin typeface="Times New Roman" panose="02020603050405020304" pitchFamily="18" charset="0"/>
-                <a:cs typeface="Times New Roman" panose="02020603050405020304" pitchFamily="18" charset="0"/>
-                <a:hlinkClick r:id="rId3"/>
-              </a:rPr>
-              <a:t>https://</a:t>
-            </a:r>
-            <a:r>
-              <a:rPr lang="es-CO" sz="2300" dirty="0" smtClean="0">
-                <a:latin typeface="Times New Roman" panose="02020603050405020304" pitchFamily="18" charset="0"/>
-                <a:cs typeface="Times New Roman" panose="02020603050405020304" pitchFamily="18" charset="0"/>
-                <a:hlinkClick r:id="rId3"/>
-              </a:rPr>
-              <a:t>aulavirtual.cuc.edu.co/moodle/pluginfile.php/632043/mod_resource/content/0/Introduccion_A_JavaCC.pdf</a:t>
-            </a:r>
-            <a:endParaRPr lang="es-CO" sz="2300" dirty="0" smtClean="0">
-              <a:latin typeface="Times New Roman" panose="02020603050405020304" pitchFamily="18" charset="0"/>
-              <a:cs typeface="Times New Roman" panose="02020603050405020304" pitchFamily="18" charset="0"/>
-            </a:endParaRPr>
-          </a:p>
-          <a:p>
-            <a:endParaRPr lang="es-CO" dirty="0"/>
-          </a:p>
-        </p:txBody>
-      </p:sp>
-      <p:sp>
-        <p:nvSpPr>
-          <p:cNvPr id="4" name="Marcador de número de diapositiva 3"/>
-          <p:cNvSpPr>
-            <a:spLocks noGrp="1"/>
-          </p:cNvSpPr>
-          <p:nvPr>
-            <p:ph type="sldNum" idx="12"/>
-          </p:nvPr>
-        </p:nvSpPr>
-        <p:spPr/>
-        <p:txBody>
-          <a:bodyPr/>
-          <a:lstStyle/>
-          <a:p>
-            <a:pPr marL="0" lvl="0" indent="0" algn="l" rtl="0">
-              <a:spcBef>
-                <a:spcPts val="0"/>
-              </a:spcBef>
-              <a:spcAft>
-                <a:spcPts val="0"/>
-              </a:spcAft>
-              <a:buNone/>
-            </a:pPr>
-            <a:fld id="{00000000-1234-1234-1234-123412341234}" type="slidenum">
-              <a:rPr lang="es-CO" smtClean="0"/>
-              <a:t>10</a:t>
-            </a:fld>
-            <a:endParaRPr lang="es-CO"/>
-          </a:p>
-        </p:txBody>
-      </p:sp>
-    </p:spTree>
-    <p:extLst>
-      <p:ext uri="{BB962C8B-B14F-4D97-AF65-F5344CB8AC3E}">
-        <p14:creationId xmlns:p14="http://schemas.microsoft.com/office/powerpoint/2010/main" val="724271009"/>
-      </p:ext>
-    </p:extLst>
-  </p:cSld>
-  <p:clrMapOvr>
-    <a:masterClrMapping/>
-  </p:clrMapOvr>
-  <p:transition spd="slow">
-    <p:push dir="u"/>
-  </p:transition>
-  <p:timing>
-    <p:tnLst>
-      <p:par>
-        <p:cTn id="1" dur="indefinite" restart="never" nodeType="tmRoot"/>
-      </p:par>
-    </p:tnLst>
-  </p:timing>
-</p:sld>
-</file>
-
-<file path=ppt/slides/slide11.xml><?xml version="1.0" encoding="utf-8"?>
-<p:sld xmlns:a="http://schemas.openxmlformats.org/drawingml/2006/main" xmlns:r="http://schemas.openxmlformats.org/officeDocument/2006/relationships" xmlns:p="http://schemas.openxmlformats.org/presentationml/2006/main">
-  <p:cSld>
-    <p:spTree>
-      <p:nvGrpSpPr>
         <p:cNvPr id="1" name="Shape 324"/>
         <p:cNvGrpSpPr/>
         <p:nvPr/>
@@ -4789,7 +4499,7 @@
             </a:pPr>
             <a:fld id="{00000000-1234-1234-1234-123412341234}" type="slidenum">
               <a:rPr lang="en"/>
-              <a:t>11</a:t>
+              <a:t>10</a:t>
             </a:fld>
             <a:endParaRPr/>
           </a:p>
@@ -5908,7 +5618,7 @@
   <p:cSld>
     <p:spTree>
       <p:nvGrpSpPr>
-        <p:cNvPr id="1" name="Shape 136"/>
+        <p:cNvPr id="1" name=""/>
         <p:cNvGrpSpPr/>
         <p:nvPr/>
       </p:nvGrpSpPr>
@@ -5922,8 +5632,8 @@
       </p:grpSpPr>
       <p:sp>
         <p:nvSpPr>
-          <p:cNvPr id="137" name="Google Shape;137;p16"/>
-          <p:cNvSpPr txBox="1">
+          <p:cNvPr id="2" name="Título 1"/>
+          <p:cNvSpPr>
             <a:spLocks noGrp="1"/>
           </p:cNvSpPr>
           <p:nvPr>
@@ -5932,30 +5642,16 @@
         </p:nvSpPr>
         <p:spPr>
           <a:xfrm>
-            <a:off x="748864" y="298192"/>
+            <a:off x="1440323" y="222231"/>
             <a:ext cx="7370700" cy="857400"/>
           </a:xfrm>
-          <a:prstGeom prst="rect">
-            <a:avLst/>
-          </a:prstGeom>
         </p:spPr>
         <p:txBody>
-          <a:bodyPr spcFirstLastPara="1" wrap="square" lIns="91425" tIns="91425" rIns="91425" bIns="91425" anchor="t" anchorCtr="0">
-            <a:noAutofit/>
-          </a:bodyPr>
+          <a:bodyPr/>
           <a:lstStyle/>
           <a:p>
-            <a:pPr marL="0" lvl="0" indent="0" algn="ctr" rtl="0">
-              <a:spcBef>
-                <a:spcPts val="0"/>
-              </a:spcBef>
-              <a:spcAft>
-                <a:spcPts val="0"/>
-              </a:spcAft>
-              <a:buNone/>
-            </a:pPr>
-            <a:r>
-              <a:rPr lang="en" sz="2800" dirty="0" smtClean="0">
+            <a:r>
+              <a:rPr lang="es-CO" dirty="0" smtClean="0">
                 <a:solidFill>
                   <a:schemeClr val="tx2">
                     <a:lumMod val="10000"/>
@@ -5964,9 +5660,9 @@
                 <a:latin typeface="Times New Roman" panose="02020603050405020304" pitchFamily="18" charset="0"/>
                 <a:cs typeface="Times New Roman" panose="02020603050405020304" pitchFamily="18" charset="0"/>
               </a:rPr>
-              <a:t>CARACTERISTICAS DE JAVACC</a:t>
-            </a:r>
-            <a:endParaRPr sz="2800" dirty="0">
+              <a:t>COMO SE EVALÚAN LAS EXPRESIONES REGULARES Y DEFINICIONES REGULARES </a:t>
+            </a:r>
+            <a:endParaRPr lang="es-CO" dirty="0">
               <a:solidFill>
                 <a:schemeClr val="tx2">
                   <a:lumMod val="10000"/>
@@ -5980,8 +5676,8 @@
       </p:sp>
       <p:sp>
         <p:nvSpPr>
-          <p:cNvPr id="138" name="Google Shape;138;p16"/>
-          <p:cNvSpPr txBox="1">
+          <p:cNvPr id="3" name="Marcador de texto 2"/>
+          <p:cNvSpPr>
             <a:spLocks noGrp="1"/>
           </p:cNvSpPr>
           <p:nvPr>
@@ -5990,79 +5686,190 @@
         </p:nvSpPr>
         <p:spPr>
           <a:xfrm>
-            <a:off x="425697" y="1422551"/>
-            <a:ext cx="8017033" cy="3327300"/>
+            <a:off x="886650" y="1079631"/>
+            <a:ext cx="7370700" cy="3846077"/>
           </a:xfrm>
-          <a:prstGeom prst="rect">
-            <a:avLst/>
-          </a:prstGeom>
         </p:spPr>
         <p:txBody>
-          <a:bodyPr spcFirstLastPara="1" wrap="square" lIns="91425" tIns="91425" rIns="91425" bIns="91425" anchor="t" anchorCtr="0">
-            <a:noAutofit/>
-          </a:bodyPr>
+          <a:bodyPr/>
           <a:lstStyle/>
           <a:p>
-            <a:pPr lvl="0" algn="just"/>
-            <a:r>
-              <a:rPr lang="es-ES" dirty="0" smtClean="0">
-                <a:solidFill>
-                  <a:schemeClr val="tx2">
-                    <a:lumMod val="10000"/>
-                  </a:schemeClr>
-                </a:solidFill>
-                <a:latin typeface="Times New Roman" panose="02020603050405020304" pitchFamily="18" charset="0"/>
-                <a:cs typeface="Times New Roman" panose="02020603050405020304" pitchFamily="18" charset="0"/>
-              </a:rPr>
-              <a:t>Especificaciones </a:t>
-            </a:r>
-            <a:r>
-              <a:rPr lang="es-ES" dirty="0">
-                <a:solidFill>
-                  <a:schemeClr val="tx2">
-                    <a:lumMod val="10000"/>
-                  </a:schemeClr>
-                </a:solidFill>
-                <a:latin typeface="Times New Roman" panose="02020603050405020304" pitchFamily="18" charset="0"/>
-                <a:cs typeface="Times New Roman" panose="02020603050405020304" pitchFamily="18" charset="0"/>
-              </a:rPr>
-              <a:t>léxicas y gramaticales en un solo archivo. De esta manera la gramática puede ser leída y mantenida más fácilmente gracias al uso de las expresiones regulares dentro de la gramática.</a:t>
-            </a:r>
-            <a:endParaRPr lang="es-ES" dirty="0" smtClean="0">
-              <a:solidFill>
-                <a:schemeClr val="tx2">
-                  <a:lumMod val="10000"/>
-                </a:schemeClr>
-              </a:solidFill>
-              <a:latin typeface="Times New Roman" panose="02020603050405020304" pitchFamily="18" charset="0"/>
-              <a:cs typeface="Times New Roman" panose="02020603050405020304" pitchFamily="18" charset="0"/>
-            </a:endParaRPr>
+            <a:pPr marL="76200" indent="0">
+              <a:buNone/>
+            </a:pPr>
+            <a:r>
+              <a:rPr lang="es-CO" sz="2000" dirty="0" err="1" smtClean="0"/>
+              <a:t>JavaCC</a:t>
+            </a:r>
+            <a:r>
+              <a:rPr lang="es-ES" sz="2000" dirty="0"/>
+              <a:t> </a:t>
+            </a:r>
+            <a:r>
+              <a:rPr lang="es-ES" sz="2000" dirty="0" smtClean="0"/>
+              <a:t>genera </a:t>
+            </a:r>
+            <a:r>
+              <a:rPr lang="es-ES" sz="2000" dirty="0"/>
+              <a:t>un </a:t>
+            </a:r>
+            <a:r>
+              <a:rPr lang="es-ES" sz="2000" dirty="0" err="1"/>
+              <a:t>parser</a:t>
+            </a:r>
+            <a:r>
+              <a:rPr lang="es-ES" sz="2000" dirty="0"/>
+              <a:t> para una </a:t>
+            </a:r>
+            <a:r>
+              <a:rPr lang="es-ES" sz="2000" dirty="0" smtClean="0"/>
+              <a:t>gramática </a:t>
+            </a:r>
+            <a:r>
+              <a:rPr lang="es-ES" sz="2000" dirty="0"/>
+              <a:t>presentada en notación </a:t>
+            </a:r>
+            <a:r>
+              <a:rPr lang="es-ES" sz="2000" dirty="0" smtClean="0"/>
+              <a:t>BNF </a:t>
+            </a:r>
+          </a:p>
+          <a:p>
+            <a:r>
+              <a:rPr lang="es-ES" sz="1600" dirty="0" err="1" smtClean="0"/>
+              <a:t>Parser</a:t>
+            </a:r>
+            <a:r>
+              <a:rPr lang="es-ES" sz="1600" dirty="0"/>
+              <a:t>: analiza una cadena de símbolos según las reglas de una gramática </a:t>
+            </a:r>
+            <a:r>
+              <a:rPr lang="es-ES" sz="1600" dirty="0" smtClean="0"/>
+              <a:t>formal.</a:t>
+            </a:r>
+          </a:p>
+          <a:p>
+            <a:r>
+              <a:rPr lang="es-ES" sz="1600" dirty="0" smtClean="0"/>
+              <a:t>Notación </a:t>
+            </a:r>
+            <a:r>
+              <a:rPr lang="es-ES" sz="1600" dirty="0"/>
+              <a:t>BNF: metalenguaje </a:t>
+            </a:r>
+            <a:endParaRPr lang="es-CO" sz="1600" dirty="0"/>
+          </a:p>
+          <a:p>
+            <a:pPr lvl="1"/>
+            <a:r>
+              <a:rPr lang="es-CO" sz="1600" dirty="0"/>
+              <a:t>::= se define como </a:t>
+            </a:r>
+            <a:endParaRPr lang="es-CO" sz="1600" dirty="0" smtClean="0"/>
+          </a:p>
+          <a:p>
+            <a:pPr lvl="1"/>
+            <a:r>
+              <a:rPr lang="es-CO" sz="1600" dirty="0"/>
+              <a:t>| </a:t>
+            </a:r>
+            <a:r>
+              <a:rPr lang="es-CO" sz="1600" dirty="0" err="1" smtClean="0"/>
+              <a:t>or</a:t>
+            </a:r>
+            <a:endParaRPr lang="es-CO" sz="1600" dirty="0" smtClean="0"/>
+          </a:p>
+          <a:p>
+            <a:pPr lvl="1"/>
+            <a:r>
+              <a:rPr lang="es-CO" sz="1600" dirty="0"/>
+              <a:t>{ } repetición </a:t>
+            </a:r>
+            <a:endParaRPr lang="es-CO" sz="1600" dirty="0" smtClean="0"/>
+          </a:p>
+          <a:p>
+            <a:pPr lvl="1"/>
+            <a:r>
+              <a:rPr lang="es-CO" sz="1600" dirty="0"/>
+              <a:t>[ ] opcional </a:t>
+            </a:r>
+          </a:p>
+          <a:p>
+            <a:r>
+              <a:rPr lang="es-CO" sz="1600" dirty="0" smtClean="0"/>
+              <a:t>E-BNF(Extended </a:t>
+            </a:r>
+            <a:r>
+              <a:rPr lang="es-CO" sz="1600" dirty="0"/>
+              <a:t>BNF</a:t>
+            </a:r>
+            <a:r>
+              <a:rPr lang="es-CO" sz="1600" dirty="0" smtClean="0"/>
+              <a:t>)</a:t>
+            </a:r>
+          </a:p>
+          <a:p>
+            <a:pPr lvl="1"/>
+            <a:r>
+              <a:rPr lang="es-CO" sz="1600" dirty="0"/>
+              <a:t>? </a:t>
+            </a:r>
+            <a:r>
+              <a:rPr lang="es-CO" sz="1600" dirty="0" smtClean="0"/>
+              <a:t>Opcional</a:t>
+            </a:r>
+          </a:p>
+          <a:p>
+            <a:pPr lvl="1"/>
+            <a:r>
+              <a:rPr lang="es-CO" sz="1600" dirty="0"/>
+              <a:t>* 0 a n veces </a:t>
+            </a:r>
+            <a:endParaRPr lang="es-CO" sz="1600" dirty="0" smtClean="0"/>
+          </a:p>
+          <a:p>
+            <a:pPr lvl="1"/>
+            <a:r>
+              <a:rPr lang="es-CO" sz="1600" dirty="0"/>
+              <a:t>+ 1 a n veces</a:t>
+            </a:r>
+          </a:p>
+          <a:p>
+            <a:endParaRPr lang="es-ES" sz="1800" dirty="0" smtClean="0"/>
+          </a:p>
+          <a:p>
+            <a:endParaRPr lang="es-ES" sz="1800" dirty="0" smtClean="0"/>
+          </a:p>
+          <a:p>
+            <a:pPr marL="76200" indent="0">
+              <a:buNone/>
+            </a:pPr>
+            <a:r>
+              <a:rPr lang="es-ES" dirty="0" smtClean="0"/>
+              <a:t>	</a:t>
+            </a:r>
+          </a:p>
+          <a:p>
+            <a:pPr marL="76200" indent="0">
+              <a:buNone/>
+            </a:pPr>
+            <a:endParaRPr lang="es-ES" dirty="0" smtClean="0"/>
           </a:p>
         </p:txBody>
       </p:sp>
       <p:sp>
         <p:nvSpPr>
-          <p:cNvPr id="139" name="Google Shape;139;p16"/>
-          <p:cNvSpPr txBox="1">
+          <p:cNvPr id="4" name="Marcador de número de diapositiva 3"/>
+          <p:cNvSpPr>
             <a:spLocks noGrp="1"/>
           </p:cNvSpPr>
           <p:nvPr>
             <p:ph type="sldNum" idx="12"/>
           </p:nvPr>
         </p:nvSpPr>
-        <p:spPr>
-          <a:xfrm>
-            <a:off x="27122" y="4749851"/>
-            <a:ext cx="548700" cy="393600"/>
-          </a:xfrm>
-          <a:prstGeom prst="rect">
-            <a:avLst/>
-          </a:prstGeom>
-        </p:spPr>
+        <p:spPr/>
         <p:txBody>
-          <a:bodyPr spcFirstLastPara="1" wrap="square" lIns="91425" tIns="91425" rIns="91425" bIns="91425" anchor="t" anchorCtr="0">
-            <a:noAutofit/>
-          </a:bodyPr>
+          <a:bodyPr/>
           <a:lstStyle/>
           <a:p>
             <a:pPr marL="0" lvl="0" indent="0" algn="l" rtl="0">
@@ -6075,17 +5882,17 @@
               <a:buNone/>
             </a:pPr>
             <a:fld id="{00000000-1234-1234-1234-123412341234}" type="slidenum">
-              <a:rPr lang="en"/>
+              <a:rPr lang="es-CO" smtClean="0"/>
               <a:t>6</a:t>
             </a:fld>
-            <a:endParaRPr/>
+            <a:endParaRPr lang="es-CO"/>
           </a:p>
         </p:txBody>
       </p:sp>
     </p:spTree>
     <p:extLst>
       <p:ext uri="{BB962C8B-B14F-4D97-AF65-F5344CB8AC3E}">
-        <p14:creationId xmlns:p14="http://schemas.microsoft.com/office/powerpoint/2010/main" val="2885491384"/>
+        <p14:creationId xmlns:p14="http://schemas.microsoft.com/office/powerpoint/2010/main" val="1869263359"/>
       </p:ext>
     </p:extLst>
   </p:cSld>
@@ -6178,175 +5985,43 @@
         </p:nvSpPr>
         <p:spPr>
           <a:xfrm>
-            <a:off x="886650" y="1079631"/>
-            <a:ext cx="7370700" cy="3846077"/>
+            <a:off x="886650" y="1480962"/>
+            <a:ext cx="7370700" cy="3327300"/>
           </a:xfrm>
         </p:spPr>
         <p:txBody>
           <a:bodyPr/>
           <a:lstStyle/>
           <a:p>
-            <a:pPr marL="76200" indent="0">
+            <a:pPr marL="76200" indent="0" algn="ctr">
               <a:buNone/>
             </a:pPr>
             <a:r>
-              <a:rPr lang="es-CO" sz="2000" dirty="0" err="1" smtClean="0"/>
+              <a:rPr lang="es-CO" sz="1800" dirty="0" err="1" smtClean="0"/>
               <a:t>JavaCC</a:t>
             </a:r>
             <a:r>
-              <a:rPr lang="es-ES" sz="2000" dirty="0"/>
+              <a:rPr lang="es-CO" sz="1800" dirty="0" smtClean="0"/>
               <a:t> </a:t>
             </a:r>
             <a:r>
-              <a:rPr lang="es-ES" sz="2000" dirty="0" smtClean="0"/>
-              <a:t>genera </a:t>
-            </a:r>
-            <a:r>
-              <a:rPr lang="es-ES" sz="2000" dirty="0"/>
-              <a:t>un </a:t>
-            </a:r>
-            <a:r>
-              <a:rPr lang="es-ES" sz="2000" dirty="0" err="1"/>
-              <a:t>parser</a:t>
-            </a:r>
-            <a:r>
-              <a:rPr lang="es-ES" sz="2000" dirty="0"/>
-              <a:t> para una </a:t>
-            </a:r>
-            <a:r>
-              <a:rPr lang="es-ES" sz="2000" dirty="0" smtClean="0"/>
-              <a:t>gramática </a:t>
-            </a:r>
-            <a:r>
-              <a:rPr lang="es-ES" sz="2000" dirty="0"/>
-              <a:t>presentada en notación </a:t>
-            </a:r>
-            <a:r>
-              <a:rPr lang="es-ES" sz="2000" dirty="0" smtClean="0"/>
-              <a:t>BNF </a:t>
-            </a:r>
-          </a:p>
-          <a:p>
-            <a:r>
-              <a:rPr lang="es-ES" sz="1600" dirty="0" err="1" smtClean="0"/>
-              <a:t>Parser</a:t>
-            </a:r>
-            <a:r>
-              <a:rPr lang="es-ES" sz="1600" dirty="0"/>
-              <a:t>: analiza una cadena de símbolos según las reglas de una gramática </a:t>
-            </a:r>
-            <a:r>
-              <a:rPr lang="es-ES" sz="1600" dirty="0" smtClean="0"/>
-              <a:t>formal.</a:t>
-            </a:r>
-          </a:p>
-          <a:p>
-            <a:r>
-              <a:rPr lang="es-ES" sz="1600" dirty="0" smtClean="0"/>
-              <a:t>Notación </a:t>
-            </a:r>
-            <a:r>
-              <a:rPr lang="es-ES" sz="1600" dirty="0"/>
-              <a:t>BNF: metalenguaje </a:t>
-            </a:r>
-            <a:endParaRPr lang="es-CO" sz="1600" dirty="0"/>
-          </a:p>
-          <a:p>
-            <a:pPr lvl="1"/>
-            <a:r>
-              <a:rPr lang="es-CO" sz="1600" dirty="0"/>
-              <a:t>::= se define como </a:t>
-            </a:r>
-            <a:endParaRPr lang="es-CO" sz="1600" dirty="0" smtClean="0"/>
-          </a:p>
-          <a:p>
-            <a:pPr lvl="1"/>
-            <a:r>
-              <a:rPr lang="es-CO" sz="1600" dirty="0"/>
-              <a:t>| </a:t>
-            </a:r>
-            <a:r>
-              <a:rPr lang="es-CO" sz="1600" dirty="0" err="1" smtClean="0"/>
-              <a:t>or</a:t>
-            </a:r>
-            <a:endParaRPr lang="es-CO" sz="1600" dirty="0" smtClean="0"/>
-          </a:p>
-          <a:p>
-            <a:pPr lvl="1"/>
-            <a:r>
-              <a:rPr lang="es-CO" sz="1600" dirty="0"/>
-              <a:t>{ } repetición </a:t>
-            </a:r>
-            <a:endParaRPr lang="es-CO" sz="1600" dirty="0" smtClean="0"/>
-          </a:p>
-          <a:p>
-            <a:pPr lvl="1"/>
-            <a:r>
-              <a:rPr lang="es-CO" sz="1600" dirty="0"/>
-              <a:t>[ ] opcional </a:t>
-            </a:r>
-          </a:p>
-          <a:p>
-            <a:r>
-              <a:rPr lang="es-CO" sz="1600" dirty="0" smtClean="0"/>
-              <a:t>E-BNF(Extended </a:t>
-            </a:r>
-            <a:r>
-              <a:rPr lang="es-CO" sz="1600" dirty="0"/>
-              <a:t>BNF</a:t>
-            </a:r>
-            <a:r>
-              <a:rPr lang="es-CO" sz="1600" dirty="0" smtClean="0"/>
-              <a:t>)</a:t>
-            </a:r>
-          </a:p>
-          <a:p>
-            <a:pPr lvl="1"/>
-            <a:r>
-              <a:rPr lang="es-CO" sz="1600" dirty="0"/>
-              <a:t>? </a:t>
-            </a:r>
-            <a:r>
-              <a:rPr lang="es-CO" sz="1600" dirty="0" smtClean="0"/>
-              <a:t>Opcional</a:t>
-            </a:r>
-          </a:p>
-          <a:p>
-            <a:pPr lvl="1"/>
-            <a:r>
-              <a:rPr lang="es-CO" sz="1600" dirty="0"/>
-              <a:t>* 0 a n veces </a:t>
-            </a:r>
-            <a:endParaRPr lang="es-CO" sz="1600" dirty="0" smtClean="0"/>
-          </a:p>
-          <a:p>
-            <a:pPr lvl="1"/>
-            <a:r>
-              <a:rPr lang="es-CO" sz="1600" dirty="0"/>
-              <a:t>+ 1 a n veces</a:t>
-            </a:r>
-            <a:endParaRPr lang="es-CO" sz="1600" dirty="0"/>
-          </a:p>
-          <a:p>
-            <a:endParaRPr lang="es-ES" sz="1800" dirty="0" smtClean="0"/>
-          </a:p>
-          <a:p>
-            <a:endParaRPr lang="es-ES" sz="1800" dirty="0" smtClean="0"/>
-          </a:p>
-          <a:p>
-            <a:pPr marL="76200" indent="0">
+              <a:rPr lang="es-CO" sz="1800" dirty="0"/>
+              <a:t>genera analizadores descendentes (top-</a:t>
+            </a:r>
+            <a:r>
+              <a:rPr lang="es-CO" sz="1800" dirty="0" err="1"/>
+              <a:t>down</a:t>
+            </a:r>
+            <a:r>
+              <a:rPr lang="es-CO" sz="1800" dirty="0" smtClean="0"/>
+              <a:t>) </a:t>
+            </a:r>
+          </a:p>
+          <a:p>
+            <a:pPr marL="76200" indent="0" algn="ctr">
               <a:buNone/>
             </a:pPr>
-            <a:r>
-              <a:rPr lang="es-ES" dirty="0" smtClean="0"/>
-              <a:t>	</a:t>
-            </a:r>
-          </a:p>
-          <a:p>
-            <a:pPr marL="76200" indent="0">
-              <a:buNone/>
-            </a:pPr>
-            <a:endParaRPr lang="es-ES" dirty="0" smtClean="0"/>
+            <a:endParaRPr lang="es-CO" sz="1800" dirty="0"/>
           </a:p>
         </p:txBody>
       </p:sp>
@@ -6377,174 +6052,6 @@
             <a:fld id="{00000000-1234-1234-1234-123412341234}" type="slidenum">
               <a:rPr lang="es-CO" smtClean="0"/>
               <a:t>7</a:t>
-            </a:fld>
-            <a:endParaRPr lang="es-CO"/>
-          </a:p>
-        </p:txBody>
-      </p:sp>
-    </p:spTree>
-    <p:extLst>
-      <p:ext uri="{BB962C8B-B14F-4D97-AF65-F5344CB8AC3E}">
-        <p14:creationId xmlns:p14="http://schemas.microsoft.com/office/powerpoint/2010/main" val="1869263359"/>
-      </p:ext>
-    </p:extLst>
-  </p:cSld>
-  <p:clrMapOvr>
-    <a:masterClrMapping/>
-  </p:clrMapOvr>
-  <p:transition spd="slow">
-    <p:push dir="u"/>
-  </p:transition>
-  <p:timing>
-    <p:tnLst>
-      <p:par>
-        <p:cTn id="1" dur="indefinite" restart="never" nodeType="tmRoot"/>
-      </p:par>
-    </p:tnLst>
-  </p:timing>
-</p:sld>
-</file>
-
-<file path=ppt/slides/slide8.xml><?xml version="1.0" encoding="utf-8"?>
-<p:sld xmlns:a="http://schemas.openxmlformats.org/drawingml/2006/main" xmlns:r="http://schemas.openxmlformats.org/officeDocument/2006/relationships" xmlns:p="http://schemas.openxmlformats.org/presentationml/2006/main">
-  <p:cSld>
-    <p:spTree>
-      <p:nvGrpSpPr>
-        <p:cNvPr id="1" name=""/>
-        <p:cNvGrpSpPr/>
-        <p:nvPr/>
-      </p:nvGrpSpPr>
-      <p:grpSpPr>
-        <a:xfrm>
-          <a:off x="0" y="0"/>
-          <a:ext cx="0" cy="0"/>
-          <a:chOff x="0" y="0"/>
-          <a:chExt cx="0" cy="0"/>
-        </a:xfrm>
-      </p:grpSpPr>
-      <p:sp>
-        <p:nvSpPr>
-          <p:cNvPr id="2" name="Título 1"/>
-          <p:cNvSpPr>
-            <a:spLocks noGrp="1"/>
-          </p:cNvSpPr>
-          <p:nvPr>
-            <p:ph type="title"/>
-          </p:nvPr>
-        </p:nvSpPr>
-        <p:spPr>
-          <a:xfrm>
-            <a:off x="1440323" y="222231"/>
-            <a:ext cx="7370700" cy="857400"/>
-          </a:xfrm>
-        </p:spPr>
-        <p:txBody>
-          <a:bodyPr/>
-          <a:lstStyle/>
-          <a:p>
-            <a:r>
-              <a:rPr lang="es-CO" dirty="0" smtClean="0">
-                <a:solidFill>
-                  <a:schemeClr val="tx2">
-                    <a:lumMod val="10000"/>
-                  </a:schemeClr>
-                </a:solidFill>
-                <a:latin typeface="Times New Roman" panose="02020603050405020304" pitchFamily="18" charset="0"/>
-                <a:cs typeface="Times New Roman" panose="02020603050405020304" pitchFamily="18" charset="0"/>
-              </a:rPr>
-              <a:t>COMO SE EVALÚAN LAS EXPRESIONES REGULARES Y DEFINICIONES REGULARES </a:t>
-            </a:r>
-            <a:endParaRPr lang="es-CO" dirty="0">
-              <a:solidFill>
-                <a:schemeClr val="tx2">
-                  <a:lumMod val="10000"/>
-                </a:schemeClr>
-              </a:solidFill>
-              <a:latin typeface="Times New Roman" panose="02020603050405020304" pitchFamily="18" charset="0"/>
-              <a:cs typeface="Times New Roman" panose="02020603050405020304" pitchFamily="18" charset="0"/>
-            </a:endParaRPr>
-          </a:p>
-        </p:txBody>
-      </p:sp>
-      <p:sp>
-        <p:nvSpPr>
-          <p:cNvPr id="3" name="Marcador de texto 2"/>
-          <p:cNvSpPr>
-            <a:spLocks noGrp="1"/>
-          </p:cNvSpPr>
-          <p:nvPr>
-            <p:ph type="body" idx="1"/>
-          </p:nvPr>
-        </p:nvSpPr>
-        <p:spPr>
-          <a:xfrm>
-            <a:off x="886650" y="1480962"/>
-            <a:ext cx="7370700" cy="3327300"/>
-          </a:xfrm>
-        </p:spPr>
-        <p:txBody>
-          <a:bodyPr/>
-          <a:lstStyle/>
-          <a:p>
-            <a:pPr marL="76200" indent="0" algn="ctr">
-              <a:buNone/>
-            </a:pPr>
-            <a:r>
-              <a:rPr lang="es-CO" sz="1800" dirty="0" err="1" smtClean="0"/>
-              <a:t>JavaCC</a:t>
-            </a:r>
-            <a:r>
-              <a:rPr lang="es-CO" sz="1800" dirty="0" smtClean="0"/>
-              <a:t> </a:t>
-            </a:r>
-            <a:r>
-              <a:rPr lang="es-CO" sz="1800" dirty="0"/>
-              <a:t>genera analizadores descendentes (top-</a:t>
-            </a:r>
-            <a:r>
-              <a:rPr lang="es-CO" sz="1800" dirty="0" err="1"/>
-              <a:t>down</a:t>
-            </a:r>
-            <a:r>
-              <a:rPr lang="es-CO" sz="1800" dirty="0" smtClean="0"/>
-              <a:t>) </a:t>
-            </a:r>
-          </a:p>
-          <a:p>
-            <a:pPr marL="76200" indent="0" algn="ctr">
-              <a:buNone/>
-            </a:pPr>
-            <a:endParaRPr lang="es-CO" sz="1800" dirty="0"/>
-          </a:p>
-        </p:txBody>
-      </p:sp>
-      <p:sp>
-        <p:nvSpPr>
-          <p:cNvPr id="4" name="Marcador de número de diapositiva 3"/>
-          <p:cNvSpPr>
-            <a:spLocks noGrp="1"/>
-          </p:cNvSpPr>
-          <p:nvPr>
-            <p:ph type="sldNum" idx="12"/>
-          </p:nvPr>
-        </p:nvSpPr>
-        <p:spPr/>
-        <p:txBody>
-          <a:bodyPr/>
-          <a:lstStyle/>
-          <a:p>
-            <a:pPr marL="0" lvl="0" indent="0" algn="l" rtl="0">
-              <a:spcBef>
-                <a:spcPts val="0"/>
-              </a:spcBef>
-              <a:spcAft>
-                <a:spcPts val="0"/>
-              </a:spcAft>
-              <a:buNone/>
-            </a:pPr>
-            <a:fld id="{00000000-1234-1234-1234-123412341234}" type="slidenum">
-              <a:rPr lang="es-CO" smtClean="0"/>
-              <a:t>8</a:t>
             </a:fld>
             <a:endParaRPr lang="es-CO"/>
           </a:p>
@@ -6603,7 +6110,7 @@
 </p:sld>
 </file>
 
-<file path=ppt/slides/slide9.xml><?xml version="1.0" encoding="utf-8"?>
+<file path=ppt/slides/slide8.xml><?xml version="1.0" encoding="utf-8"?>
 <p:sld xmlns:a="http://schemas.openxmlformats.org/drawingml/2006/main" xmlns:r="http://schemas.openxmlformats.org/officeDocument/2006/relationships" xmlns:p="http://schemas.openxmlformats.org/presentationml/2006/main">
   <p:cSld>
     <p:spTree>
@@ -6984,7 +6491,7 @@
             </a:pPr>
             <a:fld id="{00000000-1234-1234-1234-123412341234}" type="slidenum">
               <a:rPr lang="en"/>
-              <a:t>9</a:t>
+              <a:t>8</a:t>
             </a:fld>
             <a:endParaRPr/>
           </a:p>
@@ -6994,6 +6501,186 @@
     <p:extLst>
       <p:ext uri="{BB962C8B-B14F-4D97-AF65-F5344CB8AC3E}">
         <p14:creationId xmlns:p14="http://schemas.microsoft.com/office/powerpoint/2010/main" val="304595206"/>
+      </p:ext>
+    </p:extLst>
+  </p:cSld>
+  <p:clrMapOvr>
+    <a:masterClrMapping/>
+  </p:clrMapOvr>
+  <p:transition spd="slow">
+    <p:push dir="u"/>
+  </p:transition>
+  <p:timing>
+    <p:tnLst>
+      <p:par>
+        <p:cTn id="1" dur="indefinite" restart="never" nodeType="tmRoot"/>
+      </p:par>
+    </p:tnLst>
+  </p:timing>
+</p:sld>
+</file>
+
+<file path=ppt/slides/slide9.xml><?xml version="1.0" encoding="utf-8"?>
+<p:sld xmlns:a="http://schemas.openxmlformats.org/drawingml/2006/main" xmlns:r="http://schemas.openxmlformats.org/officeDocument/2006/relationships" xmlns:p="http://schemas.openxmlformats.org/presentationml/2006/main">
+  <p:cSld>
+    <p:spTree>
+      <p:nvGrpSpPr>
+        <p:cNvPr id="1" name=""/>
+        <p:cNvGrpSpPr/>
+        <p:nvPr/>
+      </p:nvGrpSpPr>
+      <p:grpSpPr>
+        <a:xfrm>
+          <a:off x="0" y="0"/>
+          <a:ext cx="0" cy="0"/>
+          <a:chOff x="0" y="0"/>
+          <a:chExt cx="0" cy="0"/>
+        </a:xfrm>
+      </p:grpSpPr>
+      <p:sp>
+        <p:nvSpPr>
+          <p:cNvPr id="2" name="Título 1"/>
+          <p:cNvSpPr>
+            <a:spLocks noGrp="1"/>
+          </p:cNvSpPr>
+          <p:nvPr>
+            <p:ph type="title"/>
+          </p:nvPr>
+        </p:nvSpPr>
+        <p:spPr/>
+        <p:txBody>
+          <a:bodyPr/>
+          <a:lstStyle/>
+          <a:p>
+            <a:pPr algn="ctr"/>
+            <a:r>
+              <a:rPr lang="es-CO" dirty="0" smtClean="0">
+                <a:solidFill>
+                  <a:schemeClr val="tx2">
+                    <a:lumMod val="10000"/>
+                  </a:schemeClr>
+                </a:solidFill>
+                <a:latin typeface="Times New Roman" panose="02020603050405020304" pitchFamily="18" charset="0"/>
+                <a:cs typeface="Times New Roman" panose="02020603050405020304" pitchFamily="18" charset="0"/>
+              </a:rPr>
+              <a:t>BIBLIOGRAFIA</a:t>
+            </a:r>
+            <a:endParaRPr lang="es-CO" dirty="0">
+              <a:solidFill>
+                <a:schemeClr val="tx2">
+                  <a:lumMod val="10000"/>
+                </a:schemeClr>
+              </a:solidFill>
+              <a:latin typeface="Times New Roman" panose="02020603050405020304" pitchFamily="18" charset="0"/>
+              <a:cs typeface="Times New Roman" panose="02020603050405020304" pitchFamily="18" charset="0"/>
+            </a:endParaRPr>
+          </a:p>
+        </p:txBody>
+      </p:sp>
+      <p:sp>
+        <p:nvSpPr>
+          <p:cNvPr id="3" name="Marcador de texto 2"/>
+          <p:cNvSpPr>
+            <a:spLocks noGrp="1"/>
+          </p:cNvSpPr>
+          <p:nvPr>
+            <p:ph type="body" idx="1"/>
+          </p:nvPr>
+        </p:nvSpPr>
+        <p:spPr>
+          <a:xfrm>
+            <a:off x="886650" y="1337151"/>
+            <a:ext cx="7370700" cy="3327300"/>
+          </a:xfrm>
+        </p:spPr>
+        <p:txBody>
+          <a:bodyPr/>
+          <a:lstStyle/>
+          <a:p>
+            <a:r>
+              <a:rPr lang="es-CO" sz="2300" dirty="0">
+                <a:latin typeface="Times New Roman" panose="02020603050405020304" pitchFamily="18" charset="0"/>
+                <a:cs typeface="Times New Roman" panose="02020603050405020304" pitchFamily="18" charset="0"/>
+                <a:hlinkClick r:id="rId2"/>
+              </a:rPr>
+              <a:t>https://</a:t>
+            </a:r>
+            <a:r>
+              <a:rPr lang="es-CO" sz="2300" dirty="0" smtClean="0">
+                <a:latin typeface="Times New Roman" panose="02020603050405020304" pitchFamily="18" charset="0"/>
+                <a:cs typeface="Times New Roman" panose="02020603050405020304" pitchFamily="18" charset="0"/>
+                <a:hlinkClick r:id="rId2"/>
+              </a:rPr>
+              <a:t>ocw.uma.es/pluginfile.php/1025/mod_resource/content/0/Capitulo_5.pdf</a:t>
+            </a:r>
+            <a:endParaRPr lang="es-CO" sz="2300" dirty="0" smtClean="0">
+              <a:latin typeface="Times New Roman" panose="02020603050405020304" pitchFamily="18" charset="0"/>
+              <a:cs typeface="Times New Roman" panose="02020603050405020304" pitchFamily="18" charset="0"/>
+            </a:endParaRPr>
+          </a:p>
+          <a:p>
+            <a:r>
+              <a:rPr lang="es-CO" sz="2300" dirty="0">
+                <a:latin typeface="Times New Roman" panose="02020603050405020304" pitchFamily="18" charset="0"/>
+                <a:cs typeface="Times New Roman" panose="02020603050405020304" pitchFamily="18" charset="0"/>
+                <a:hlinkClick r:id="rId3"/>
+              </a:rPr>
+              <a:t>https://</a:t>
+            </a:r>
+            <a:r>
+              <a:rPr lang="es-CO" sz="2300" dirty="0" smtClean="0">
+                <a:latin typeface="Times New Roman" panose="02020603050405020304" pitchFamily="18" charset="0"/>
+                <a:cs typeface="Times New Roman" panose="02020603050405020304" pitchFamily="18" charset="0"/>
+                <a:hlinkClick r:id="rId3"/>
+              </a:rPr>
+              <a:t>aulavirtual.cuc.edu.co/moodle/pluginfile.php/632043/mod_resource/content/0/Introduccion_A_JavaCC.pdf</a:t>
+            </a:r>
+            <a:endParaRPr lang="es-CO" sz="2300" dirty="0" smtClean="0">
+              <a:latin typeface="Times New Roman" panose="02020603050405020304" pitchFamily="18" charset="0"/>
+              <a:cs typeface="Times New Roman" panose="02020603050405020304" pitchFamily="18" charset="0"/>
+            </a:endParaRPr>
+          </a:p>
+          <a:p>
+            <a:endParaRPr lang="es-CO" dirty="0"/>
+          </a:p>
+        </p:txBody>
+      </p:sp>
+      <p:sp>
+        <p:nvSpPr>
+          <p:cNvPr id="4" name="Marcador de número de diapositiva 3"/>
+          <p:cNvSpPr>
+            <a:spLocks noGrp="1"/>
+          </p:cNvSpPr>
+          <p:nvPr>
+            <p:ph type="sldNum" idx="12"/>
+          </p:nvPr>
+        </p:nvSpPr>
+        <p:spPr/>
+        <p:txBody>
+          <a:bodyPr/>
+          <a:lstStyle/>
+          <a:p>
+            <a:pPr marL="0" lvl="0" indent="0" algn="l" rtl="0">
+              <a:spcBef>
+                <a:spcPts val="0"/>
+              </a:spcBef>
+              <a:spcAft>
+                <a:spcPts val="0"/>
+              </a:spcAft>
+              <a:buNone/>
+            </a:pPr>
+            <a:fld id="{00000000-1234-1234-1234-123412341234}" type="slidenum">
+              <a:rPr lang="es-CO" smtClean="0"/>
+              <a:t>9</a:t>
+            </a:fld>
+            <a:endParaRPr lang="es-CO"/>
+          </a:p>
+        </p:txBody>
+      </p:sp>
+    </p:spTree>
+    <p:extLst>
+      <p:ext uri="{BB962C8B-B14F-4D97-AF65-F5344CB8AC3E}">
+        <p14:creationId xmlns:p14="http://schemas.microsoft.com/office/powerpoint/2010/main" val="724271009"/>
       </p:ext>
     </p:extLst>
   </p:cSld>
